--- a/UNIDAD03_DISTRIBUCIONES_DISCRETAS/08_III.C_Distribucion_Geometrica.pptx
+++ b/UNIDAD03_DISTRIBUCIONES_DISCRETAS/08_III.C_Distribucion_Geometrica.pptx
@@ -6841,7 +6841,7 @@
         <p:spPr>
           <a:xfrm>
             <a:off x="0" y="3780000"/>
-            <a:ext cx="10077840" cy="1887840"/>
+            <a:ext cx="10077480" cy="1887480"/>
           </a:xfrm>
           <a:prstGeom prst="rect">
             <a:avLst/>
@@ -6899,13 +6899,7 @@
               <a:rPr b="0" lang="es-MX" sz="4400" spc="-1" strike="noStrike">
                 <a:latin typeface="Arial"/>
               </a:rPr>
-              <a:t>Pulse para editar el formato del </a:t>
-            </a:r>
-            <a:r>
-              <a:rPr b="0" lang="es-MX" sz="4400" spc="-1" strike="noStrike">
-                <a:latin typeface="Arial"/>
-              </a:rPr>
-              <a:t>texto de título</a:t>
+              <a:t>Pulse para editar el formato del texto de título</a:t>
             </a:r>
             <a:endParaRPr b="0" lang="es-MX" sz="4400" spc="-1" strike="noStrike">
               <a:latin typeface="Arial"/>
@@ -7145,8 +7139,8 @@
         </p:nvSpPr>
         <p:spPr>
           <a:xfrm flipV="1">
-            <a:off x="0" y="-2160"/>
-            <a:ext cx="10077840" cy="1077840"/>
+            <a:off x="0" y="-2880"/>
+            <a:ext cx="10077480" cy="1077480"/>
           </a:xfrm>
           <a:prstGeom prst="rect">
             <a:avLst/>
@@ -7204,13 +7198,7 @@
               <a:rPr b="0" lang="es-MX" sz="4400" spc="-1" strike="noStrike">
                 <a:latin typeface="Arial"/>
               </a:rPr>
-              <a:t>Pulse para editar el formato del </a:t>
-            </a:r>
-            <a:r>
-              <a:rPr b="0" lang="es-MX" sz="4400" spc="-1" strike="noStrike">
-                <a:latin typeface="Arial"/>
-              </a:rPr>
-              <a:t>texto de título</a:t>
+              <a:t>Pulse para editar el formato del texto de título</a:t>
             </a:r>
             <a:endParaRPr b="0" lang="es-MX" sz="4400" spc="-1" strike="noStrike">
               <a:latin typeface="Arial"/>
@@ -7450,8 +7438,8 @@
         </p:nvSpPr>
         <p:spPr>
           <a:xfrm flipV="1">
-            <a:off x="0" y="-2160"/>
-            <a:ext cx="10077840" cy="1077840"/>
+            <a:off x="0" y="-2880"/>
+            <a:ext cx="10077480" cy="1077480"/>
           </a:xfrm>
           <a:prstGeom prst="rect">
             <a:avLst/>
@@ -7509,13 +7497,7 @@
               <a:rPr b="0" lang="es-MX" sz="4400" spc="-1" strike="noStrike">
                 <a:latin typeface="Arial"/>
               </a:rPr>
-              <a:t>Pulse para editar el formato del </a:t>
-            </a:r>
-            <a:r>
-              <a:rPr b="0" lang="es-MX" sz="4400" spc="-1" strike="noStrike">
-                <a:latin typeface="Arial"/>
-              </a:rPr>
-              <a:t>texto de título</a:t>
+              <a:t>Pulse para editar el formato del texto de título</a:t>
             </a:r>
             <a:endParaRPr b="0" lang="es-MX" sz="4400" spc="-1" strike="noStrike">
               <a:latin typeface="Arial"/>
@@ -7755,8 +7737,8 @@
         </p:nvSpPr>
         <p:spPr>
           <a:xfrm flipV="1">
-            <a:off x="0" y="-2160"/>
-            <a:ext cx="10077840" cy="1077840"/>
+            <a:off x="0" y="-2880"/>
+            <a:ext cx="10077480" cy="1077480"/>
           </a:xfrm>
           <a:prstGeom prst="rect">
             <a:avLst/>
@@ -8046,8 +8028,8 @@
         </p:nvSpPr>
         <p:spPr>
           <a:xfrm flipV="1">
-            <a:off x="0" y="-2160"/>
-            <a:ext cx="10077840" cy="177840"/>
+            <a:off x="0" y="-2880"/>
+            <a:ext cx="10077480" cy="177480"/>
           </a:xfrm>
           <a:prstGeom prst="rect">
             <a:avLst/>
@@ -8085,7 +8067,7 @@
         <p:spPr>
           <a:xfrm>
             <a:off x="0" y="5580000"/>
-            <a:ext cx="10077840" cy="87840"/>
+            <a:ext cx="10077480" cy="87480"/>
           </a:xfrm>
           <a:prstGeom prst="rect">
             <a:avLst/>
@@ -8384,7 +8366,7 @@
         <p:spPr>
           <a:xfrm>
             <a:off x="450000" y="270000"/>
-            <a:ext cx="8997840" cy="3237840"/>
+            <a:ext cx="8997480" cy="3237480"/>
           </a:xfrm>
           <a:prstGeom prst="rect">
             <a:avLst/>
@@ -8435,7 +8417,7 @@
         <p:spPr>
           <a:xfrm>
             <a:off x="450000" y="3870000"/>
-            <a:ext cx="8997840" cy="1167840"/>
+            <a:ext cx="8997480" cy="1167480"/>
           </a:xfrm>
           <a:prstGeom prst="rect">
             <a:avLst/>
@@ -8524,7 +8506,7 @@
         <p:spPr>
           <a:xfrm>
             <a:off x="502920" y="90720"/>
-            <a:ext cx="9069480" cy="944640"/>
+            <a:ext cx="9069120" cy="944280"/>
           </a:xfrm>
           <a:prstGeom prst="rect">
             <a:avLst/>
@@ -8579,7 +8561,7 @@
         <p:spPr>
           <a:xfrm>
             <a:off x="720000" y="1260000"/>
-            <a:ext cx="8493480" cy="3598200"/>
+            <a:ext cx="8493120" cy="3597840"/>
           </a:xfrm>
           <a:prstGeom prst="rect">
             <a:avLst/>
@@ -8641,7 +8623,7 @@
         <p:spPr>
           <a:xfrm>
             <a:off x="502920" y="90720"/>
-            <a:ext cx="9069480" cy="944640"/>
+            <a:ext cx="9069120" cy="944280"/>
           </a:xfrm>
           <a:prstGeom prst="rect">
             <a:avLst/>
@@ -8706,7 +8688,7 @@
         <p:spPr>
           <a:xfrm>
             <a:off x="1260000" y="1206000"/>
-            <a:ext cx="7558200" cy="3832200"/>
+            <a:ext cx="7557840" cy="3831840"/>
           </a:xfrm>
           <a:prstGeom prst="rect">
             <a:avLst/>
@@ -8768,7 +8750,7 @@
         <p:spPr>
           <a:xfrm>
             <a:off x="502920" y="90720"/>
-            <a:ext cx="9069480" cy="944640"/>
+            <a:ext cx="9069120" cy="944280"/>
           </a:xfrm>
           <a:prstGeom prst="rect">
             <a:avLst/>
@@ -8823,7 +8805,7 @@
         <p:spPr>
           <a:xfrm>
             <a:off x="489240" y="1399680"/>
-            <a:ext cx="9134280" cy="3333960"/>
+            <a:ext cx="9133920" cy="3333600"/>
           </a:xfrm>
           <a:prstGeom prst="rect">
             <a:avLst/>
@@ -8885,7 +8867,7 @@
         <p:spPr>
           <a:xfrm>
             <a:off x="502920" y="90720"/>
-            <a:ext cx="9069480" cy="944640"/>
+            <a:ext cx="9069120" cy="944280"/>
           </a:xfrm>
           <a:prstGeom prst="rect">
             <a:avLst/>
@@ -8940,7 +8922,7 @@
         <p:spPr>
           <a:xfrm>
             <a:off x="215640" y="1258560"/>
-            <a:ext cx="9502560" cy="3599640"/>
+            <a:ext cx="9502200" cy="3599280"/>
           </a:xfrm>
           <a:prstGeom prst="rect">
             <a:avLst/>
@@ -9002,7 +8984,7 @@
         <p:spPr>
           <a:xfrm>
             <a:off x="502920" y="90720"/>
-            <a:ext cx="9069480" cy="944640"/>
+            <a:ext cx="9069120" cy="944280"/>
           </a:xfrm>
           <a:prstGeom prst="rect">
             <a:avLst/>
@@ -9057,7 +9039,7 @@
         <p:spPr>
           <a:xfrm>
             <a:off x="364680" y="1260000"/>
-            <a:ext cx="9173520" cy="1258200"/>
+            <a:ext cx="9173160" cy="1257840"/>
           </a:xfrm>
           <a:prstGeom prst="rect">
             <a:avLst/>
@@ -9119,7 +9101,7 @@
         <p:spPr>
           <a:xfrm>
             <a:off x="502920" y="90720"/>
-            <a:ext cx="9069480" cy="944640"/>
+            <a:ext cx="9069120" cy="944280"/>
           </a:xfrm>
           <a:prstGeom prst="rect">
             <a:avLst/>
@@ -9174,7 +9156,7 @@
         <p:spPr>
           <a:xfrm>
             <a:off x="540000" y="1260000"/>
-            <a:ext cx="9051120" cy="3238200"/>
+            <a:ext cx="9050760" cy="3237840"/>
           </a:xfrm>
           <a:prstGeom prst="rect">
             <a:avLst/>
@@ -9236,7 +9218,7 @@
         <p:spPr>
           <a:xfrm>
             <a:off x="502920" y="90720"/>
-            <a:ext cx="9069480" cy="944640"/>
+            <a:ext cx="9069120" cy="944280"/>
           </a:xfrm>
           <a:prstGeom prst="rect">
             <a:avLst/>
@@ -9291,7 +9273,7 @@
         <p:spPr>
           <a:xfrm>
             <a:off x="1024200" y="1345320"/>
-            <a:ext cx="8102160" cy="3692520"/>
+            <a:ext cx="8101800" cy="3692160"/>
           </a:xfrm>
           <a:prstGeom prst="rect">
             <a:avLst/>
@@ -9348,7 +9330,7 @@
         <p:spPr>
           <a:xfrm>
             <a:off x="502920" y="90720"/>
-            <a:ext cx="9069480" cy="944640"/>
+            <a:ext cx="9069120" cy="944280"/>
           </a:xfrm>
           <a:prstGeom prst="rect">
             <a:avLst/>
@@ -9403,7 +9385,7 @@
         <p:spPr>
           <a:xfrm>
             <a:off x="1057320" y="1440000"/>
-            <a:ext cx="8035560" cy="1283040"/>
+            <a:ext cx="8035200" cy="1282680"/>
           </a:xfrm>
           <a:prstGeom prst="rect">
             <a:avLst/>
@@ -9460,7 +9442,7 @@
         <p:spPr>
           <a:xfrm>
             <a:off x="502920" y="90720"/>
-            <a:ext cx="9069480" cy="944640"/>
+            <a:ext cx="9069120" cy="944280"/>
           </a:xfrm>
           <a:prstGeom prst="rect">
             <a:avLst/>
@@ -9515,7 +9497,7 @@
         <p:spPr>
           <a:xfrm>
             <a:off x="1080000" y="1260000"/>
-            <a:ext cx="8016480" cy="3902040"/>
+            <a:ext cx="8016120" cy="3901680"/>
           </a:xfrm>
           <a:prstGeom prst="rect">
             <a:avLst/>
@@ -9572,7 +9554,7 @@
         <p:spPr>
           <a:xfrm>
             <a:off x="502920" y="90720"/>
-            <a:ext cx="9069480" cy="944640"/>
+            <a:ext cx="9069120" cy="944280"/>
           </a:xfrm>
           <a:prstGeom prst="rect">
             <a:avLst/>
@@ -9661,7 +9643,7 @@
         <p:spPr>
           <a:xfrm>
             <a:off x="502920" y="90720"/>
-            <a:ext cx="9069480" cy="944640"/>
+            <a:ext cx="9069120" cy="944280"/>
           </a:xfrm>
           <a:prstGeom prst="rect">
             <a:avLst/>
@@ -9716,7 +9698,7 @@
         <p:spPr>
           <a:xfrm>
             <a:off x="360000" y="3185640"/>
-            <a:ext cx="6298200" cy="1923480"/>
+            <a:ext cx="6297840" cy="1923120"/>
           </a:xfrm>
           <a:prstGeom prst="rect">
             <a:avLst/>
@@ -9744,7 +9726,7 @@
         <p:spPr>
           <a:xfrm>
             <a:off x="6055200" y="1119240"/>
-            <a:ext cx="3878640" cy="2306880"/>
+            <a:ext cx="3878280" cy="2306520"/>
           </a:xfrm>
           <a:prstGeom prst="rect">
             <a:avLst/>
@@ -9798,7 +9780,7 @@
         <p:spPr>
           <a:xfrm>
             <a:off x="502920" y="630720"/>
-            <a:ext cx="9069480" cy="4386600"/>
+            <a:ext cx="9069120" cy="4386240"/>
           </a:xfrm>
           <a:prstGeom prst="rect">
             <a:avLst/>
@@ -9823,8 +9805,8 @@
         </p:nvSpPr>
         <p:spPr>
           <a:xfrm>
-            <a:off x="360000" y="900000"/>
-            <a:ext cx="9359280" cy="857520"/>
+            <a:off x="361080" y="582840"/>
+            <a:ext cx="9358920" cy="857160"/>
           </a:xfrm>
           <a:prstGeom prst="rect">
             <a:avLst/>
@@ -9911,6 +9893,36 @@
                 <a:ea typeface="DejaVu Sans"/>
               </a:rPr>
               <a:t>Hoel, P. G., &amp; Port, S. C., &amp; Stone, Ch. J. (1971). Introduction to Probability Theory (1/a edición). Houghton Mifflin Company.</a:t>
+            </a:r>
+            <a:endParaRPr b="0" lang="es-MX" sz="1800" spc="-1" strike="noStrike">
+              <a:latin typeface="Arial"/>
+            </a:endParaRPr>
+          </a:p>
+          <a:p>
+            <a:pPr>
+              <a:lnSpc>
+                <a:spcPct val="100000"/>
+              </a:lnSpc>
+            </a:pPr>
+            <a:endParaRPr b="0" lang="es-MX" sz="1800" spc="-1" strike="noStrike">
+              <a:latin typeface="Arial"/>
+            </a:endParaRPr>
+          </a:p>
+          <a:p>
+            <a:pPr>
+              <a:lnSpc>
+                <a:spcPct val="100000"/>
+              </a:lnSpc>
+            </a:pPr>
+            <a:r>
+              <a:rPr b="0" lang="de-AT" sz="1800" spc="-1" strike="noStrike">
+                <a:solidFill>
+                  <a:srgbClr val="000000"/>
+                </a:solidFill>
+                <a:latin typeface="Source Sans Pro"/>
+                <a:ea typeface="DejaVu Sans"/>
+              </a:rPr>
+              <a:t>Rodriguez Ojeda, L. (2007). Probabilidad y Estadística Básica para Ingenieros. Escuela Superior Politécnica del Litoral, ESPOL, Guayaquil, Ecuador.</a:t>
             </a:r>
             <a:endParaRPr b="0" lang="es-MX" sz="1800" spc="-1" strike="noStrike">
               <a:latin typeface="Arial"/>
@@ -9965,7 +9977,7 @@
         <p:spPr>
           <a:xfrm>
             <a:off x="502920" y="90720"/>
-            <a:ext cx="9069480" cy="944640"/>
+            <a:ext cx="9069120" cy="944280"/>
           </a:xfrm>
           <a:prstGeom prst="rect">
             <a:avLst/>
@@ -10020,7 +10032,7 @@
         <p:spPr>
           <a:xfrm>
             <a:off x="654840" y="1005840"/>
-            <a:ext cx="8670600" cy="3055320"/>
+            <a:ext cx="8670240" cy="3054960"/>
           </a:xfrm>
           <a:prstGeom prst="rect">
             <a:avLst/>
@@ -10048,7 +10060,7 @@
         <p:spPr>
           <a:xfrm>
             <a:off x="720000" y="4140000"/>
-            <a:ext cx="8638200" cy="1078200"/>
+            <a:ext cx="8637840" cy="1077840"/>
           </a:xfrm>
           <a:prstGeom prst="rect">
             <a:avLst/>
@@ -10072,7 +10084,7 @@
         <p:spPr>
           <a:xfrm>
             <a:off x="4157280" y="3703680"/>
-            <a:ext cx="178200" cy="178200"/>
+            <a:ext cx="177840" cy="177840"/>
           </a:xfrm>
           <a:prstGeom prst="rect">
             <a:avLst/>
@@ -10140,7 +10152,7 @@
         <p:spPr>
           <a:xfrm>
             <a:off x="502920" y="90720"/>
-            <a:ext cx="9069480" cy="944640"/>
+            <a:ext cx="9069120" cy="944280"/>
           </a:xfrm>
           <a:prstGeom prst="rect">
             <a:avLst/>
@@ -10195,7 +10207,7 @@
         <p:spPr>
           <a:xfrm>
             <a:off x="540000" y="1311840"/>
-            <a:ext cx="8998200" cy="1625760"/>
+            <a:ext cx="8997840" cy="1625400"/>
           </a:xfrm>
           <a:prstGeom prst="rect">
             <a:avLst/>
@@ -10257,7 +10269,7 @@
         <p:spPr>
           <a:xfrm>
             <a:off x="502920" y="90720"/>
-            <a:ext cx="9069480" cy="944640"/>
+            <a:ext cx="9069120" cy="944280"/>
           </a:xfrm>
           <a:prstGeom prst="rect">
             <a:avLst/>
@@ -10312,7 +10324,7 @@
         <p:spPr>
           <a:xfrm>
             <a:off x="1080000" y="1080000"/>
-            <a:ext cx="7918200" cy="4300920"/>
+            <a:ext cx="7917840" cy="4300560"/>
           </a:xfrm>
           <a:prstGeom prst="rect">
             <a:avLst/>
@@ -10374,7 +10386,7 @@
         <p:spPr>
           <a:xfrm>
             <a:off x="502920" y="90720"/>
-            <a:ext cx="9069480" cy="944640"/>
+            <a:ext cx="9069120" cy="944280"/>
           </a:xfrm>
           <a:prstGeom prst="rect">
             <a:avLst/>
@@ -10430,7 +10442,7 @@
         <p:spPr>
           <a:xfrm>
             <a:off x="3152160" y="534240"/>
-            <a:ext cx="6734880" cy="1883160"/>
+            <a:ext cx="6734520" cy="1882800"/>
           </a:xfrm>
           <a:prstGeom prst="rect">
             <a:avLst/>
@@ -10459,7 +10471,7 @@
         <p:spPr>
           <a:xfrm>
             <a:off x="1183680" y="2359080"/>
-            <a:ext cx="7814880" cy="2716560"/>
+            <a:ext cx="7814520" cy="2716200"/>
           </a:xfrm>
           <a:prstGeom prst="rect">
             <a:avLst/>
@@ -10476,14 +10488,14 @@
       </p:pic>
       <p:sp>
         <p:nvSpPr>
-          <p:cNvPr id="212" name="TextShape 2"/>
-          <p:cNvSpPr txBox="1"/>
+          <p:cNvPr id="212" name="CustomShape 2"/>
+          <p:cNvSpPr/>
           <p:nvPr/>
         </p:nvSpPr>
         <p:spPr>
           <a:xfrm>
             <a:off x="180000" y="1188000"/>
-            <a:ext cx="2880000" cy="1114200"/>
+            <a:ext cx="2879640" cy="1113840"/>
           </a:xfrm>
           <a:prstGeom prst="rect">
             <a:avLst/>
@@ -10493,11 +10505,22 @@
             <a:noFill/>
           </a:ln>
         </p:spPr>
+        <p:style>
+          <a:lnRef idx="0"/>
+          <a:fillRef idx="0"/>
+          <a:effectRef idx="0"/>
+          <a:fontRef idx="minor"/>
+        </p:style>
         <p:txBody>
           <a:bodyPr lIns="90000" rIns="90000" tIns="45000" bIns="45000">
             <a:noAutofit/>
           </a:bodyPr>
           <a:p>
+            <a:pPr>
+              <a:lnSpc>
+                <a:spcPct val="100000"/>
+              </a:lnSpc>
+            </a:pPr>
             <a:r>
               <a:rPr b="0" lang="es-MX" sz="1800" spc="-1" strike="noStrike">
                 <a:latin typeface="Arial"/>
@@ -10557,7 +10580,7 @@
         <p:spPr>
           <a:xfrm>
             <a:off x="502920" y="90720"/>
-            <a:ext cx="9069480" cy="944640"/>
+            <a:ext cx="9069120" cy="944280"/>
           </a:xfrm>
           <a:prstGeom prst="rect">
             <a:avLst/>
@@ -10608,7 +10631,7 @@
         <p:spPr>
           <a:xfrm>
             <a:off x="540000" y="972000"/>
-            <a:ext cx="8998560" cy="600840"/>
+            <a:ext cx="8998200" cy="600480"/>
           </a:xfrm>
           <a:prstGeom prst="rect">
             <a:avLst/>
@@ -10663,7 +10686,7 @@
         <p:spPr>
           <a:xfrm>
             <a:off x="3308400" y="1908000"/>
-            <a:ext cx="3512160" cy="2083680"/>
+            <a:ext cx="3511800" cy="2083320"/>
           </a:xfrm>
           <a:prstGeom prst="rect">
             <a:avLst/>
@@ -10682,7 +10705,7 @@
         <p:spPr>
           <a:xfrm>
             <a:off x="540000" y="3888000"/>
-            <a:ext cx="8998560" cy="344880"/>
+            <a:ext cx="8998200" cy="344520"/>
           </a:xfrm>
           <a:prstGeom prst="rect">
             <a:avLst/>
@@ -10737,7 +10760,7 @@
         <p:spPr>
           <a:xfrm>
             <a:off x="3312000" y="4198320"/>
-            <a:ext cx="3455280" cy="731520"/>
+            <a:ext cx="3454920" cy="731160"/>
           </a:xfrm>
           <a:prstGeom prst="rect">
             <a:avLst/>
@@ -10756,7 +10779,7 @@
         <p:spPr>
           <a:xfrm>
             <a:off x="576000" y="4788000"/>
-            <a:ext cx="8998560" cy="344880"/>
+            <a:ext cx="8998200" cy="344520"/>
           </a:xfrm>
           <a:prstGeom prst="rect">
             <a:avLst/>
@@ -10807,7 +10830,7 @@
         <p:spPr>
           <a:xfrm>
             <a:off x="2664000" y="2052000"/>
-            <a:ext cx="718920" cy="358920"/>
+            <a:ext cx="718560" cy="358560"/>
           </a:xfrm>
           <a:prstGeom prst="rect">
             <a:avLst/>
@@ -10858,7 +10881,7 @@
         <p:spPr>
           <a:xfrm>
             <a:off x="2700000" y="4320000"/>
-            <a:ext cx="718920" cy="358920"/>
+            <a:ext cx="718560" cy="358560"/>
           </a:xfrm>
           <a:prstGeom prst="rect">
             <a:avLst/>
@@ -10947,7 +10970,7 @@
         <p:spPr>
           <a:xfrm>
             <a:off x="502920" y="90720"/>
-            <a:ext cx="9069480" cy="944640"/>
+            <a:ext cx="9069120" cy="944280"/>
           </a:xfrm>
           <a:prstGeom prst="rect">
             <a:avLst/>
@@ -11002,7 +11025,7 @@
         <p:spPr>
           <a:xfrm>
             <a:off x="2598840" y="965160"/>
-            <a:ext cx="4931280" cy="883800"/>
+            <a:ext cx="4930920" cy="883440"/>
           </a:xfrm>
           <a:prstGeom prst="rect">
             <a:avLst/>
@@ -11021,7 +11044,7 @@
         <p:spPr>
           <a:xfrm>
             <a:off x="540000" y="1584000"/>
-            <a:ext cx="8998560" cy="344880"/>
+            <a:ext cx="8998200" cy="344520"/>
           </a:xfrm>
           <a:prstGeom prst="rect">
             <a:avLst/>
@@ -11076,7 +11099,7 @@
         <p:spPr>
           <a:xfrm>
             <a:off x="4465440" y="1717920"/>
-            <a:ext cx="1198080" cy="674280"/>
+            <a:ext cx="1197720" cy="673920"/>
           </a:xfrm>
           <a:prstGeom prst="rect">
             <a:avLst/>
@@ -11095,7 +11118,7 @@
         <p:spPr>
           <a:xfrm>
             <a:off x="1913400" y="1202760"/>
-            <a:ext cx="718920" cy="358920"/>
+            <a:ext cx="718560" cy="358560"/>
           </a:xfrm>
           <a:prstGeom prst="rect">
             <a:avLst/>
@@ -11146,7 +11169,7 @@
         <p:spPr>
           <a:xfrm>
             <a:off x="3780000" y="1836000"/>
-            <a:ext cx="718920" cy="358920"/>
+            <a:ext cx="718560" cy="358560"/>
           </a:xfrm>
           <a:prstGeom prst="rect">
             <a:avLst/>
@@ -11197,7 +11220,7 @@
         <p:spPr>
           <a:xfrm>
             <a:off x="540000" y="2304000"/>
-            <a:ext cx="9358920" cy="3160800"/>
+            <a:ext cx="9358560" cy="3160440"/>
           </a:xfrm>
           <a:prstGeom prst="rect">
             <a:avLst/>
@@ -11466,7 +11489,7 @@
         <p:spPr>
           <a:xfrm>
             <a:off x="502920" y="90720"/>
-            <a:ext cx="9069480" cy="944640"/>
+            <a:ext cx="9069120" cy="944280"/>
           </a:xfrm>
           <a:prstGeom prst="rect">
             <a:avLst/>
@@ -11521,7 +11544,7 @@
         <p:spPr>
           <a:xfrm>
             <a:off x="1440000" y="1192320"/>
-            <a:ext cx="7018200" cy="4025880"/>
+            <a:ext cx="7017840" cy="4025520"/>
           </a:xfrm>
           <a:prstGeom prst="rect">
             <a:avLst/>
